--- a/evernote/보고서.pptx
+++ b/evernote/보고서.pptx
@@ -1,6 +1,6 @@
 
 <file path=ppt/presentation.xml><?xml version="1.0" encoding="utf-8"?>
-<p:presentation xmlns:a="http://schemas.openxmlformats.org/drawingml/2006/main" xmlns:r="http://schemas.openxmlformats.org/officeDocument/2006/relationships" xmlns:p="http://schemas.openxmlformats.org/presentationml/2006/main" saveSubsetFonts="1">
+<p:presentation xmlns:a="http://schemas.openxmlformats.org/drawingml/2006/main" xmlns:r="http://schemas.openxmlformats.org/officeDocument/2006/relationships" xmlns:p="http://schemas.openxmlformats.org/presentationml/2006/main" embedTrueTypeFonts="1" saveSubsetFonts="1">
   <p:sldMasterIdLst>
     <p:sldMasterId id="2147483660" r:id="rId1"/>
   </p:sldMasterIdLst>
@@ -34,6 +34,37 @@
   </p:sldIdLst>
   <p:sldSz cx="9144000" cy="6858000" type="screen4x3"/>
   <p:notesSz cx="6858000" cy="9144000"/>
+  <p:embeddedFontLst>
+    <p:embeddedFont>
+      <p:font typeface="12롯데마트드림Bold" panose="02020603020101020101" pitchFamily="18" charset="-127"/>
+      <p:regular r:id="rId28"/>
+    </p:embeddedFont>
+    <p:embeddedFont>
+      <p:font typeface="Calibri" panose="020F0502020204030204" pitchFamily="34" charset="0"/>
+      <p:regular r:id="rId29"/>
+      <p:bold r:id="rId30"/>
+      <p:italic r:id="rId31"/>
+      <p:boldItalic r:id="rId32"/>
+    </p:embeddedFont>
+    <p:embeddedFont>
+      <p:font typeface="맑은 고딕" panose="020B0503020000020004" pitchFamily="50" charset="-127"/>
+      <p:regular r:id="rId33"/>
+      <p:bold r:id="rId34"/>
+    </p:embeddedFont>
+    <p:embeddedFont>
+      <p:font typeface="12롯데마트드림Light" panose="02020603020101020101" pitchFamily="18" charset="-127"/>
+      <p:regular r:id="rId35"/>
+    </p:embeddedFont>
+    <p:embeddedFont>
+      <p:font typeface="a가을소풍B" panose="02020600000000000000" pitchFamily="18" charset="-127"/>
+      <p:regular r:id="rId36"/>
+    </p:embeddedFont>
+    <p:embeddedFont>
+      <p:font typeface="Calibri Light" panose="020F0302020204030204" pitchFamily="34" charset="0"/>
+      <p:regular r:id="rId37"/>
+      <p:italic r:id="rId38"/>
+    </p:embeddedFont>
+  </p:embeddedFontLst>
   <p:defaultTextStyle>
     <a:defPPr>
       <a:defRPr lang="en-US"/>
@@ -284,7 +315,7 @@
           <a:p>
             <a:fld id="{0E2DAB31-F86C-4F14-BBA2-201395277C2A}" type="datetimeFigureOut">
               <a:rPr lang="ko-KR" altLang="en-US" smtClean="0"/>
-              <a:t>2017-06-08</a:t>
+              <a:t>2017-06-09</a:t>
             </a:fld>
             <a:endParaRPr lang="ko-KR" altLang="en-US"/>
           </a:p>
@@ -454,7 +485,7 @@
           <a:p>
             <a:fld id="{0E2DAB31-F86C-4F14-BBA2-201395277C2A}" type="datetimeFigureOut">
               <a:rPr lang="ko-KR" altLang="en-US" smtClean="0"/>
-              <a:t>2017-06-08</a:t>
+              <a:t>2017-06-09</a:t>
             </a:fld>
             <a:endParaRPr lang="ko-KR" altLang="en-US"/>
           </a:p>
@@ -634,7 +665,7 @@
           <a:p>
             <a:fld id="{0E2DAB31-F86C-4F14-BBA2-201395277C2A}" type="datetimeFigureOut">
               <a:rPr lang="ko-KR" altLang="en-US" smtClean="0"/>
-              <a:t>2017-06-08</a:t>
+              <a:t>2017-06-09</a:t>
             </a:fld>
             <a:endParaRPr lang="ko-KR" altLang="en-US"/>
           </a:p>
@@ -804,7 +835,7 @@
           <a:p>
             <a:fld id="{0E2DAB31-F86C-4F14-BBA2-201395277C2A}" type="datetimeFigureOut">
               <a:rPr lang="ko-KR" altLang="en-US" smtClean="0"/>
-              <a:t>2017-06-08</a:t>
+              <a:t>2017-06-09</a:t>
             </a:fld>
             <a:endParaRPr lang="ko-KR" altLang="en-US"/>
           </a:p>
@@ -1048,7 +1079,7 @@
           <a:p>
             <a:fld id="{0E2DAB31-F86C-4F14-BBA2-201395277C2A}" type="datetimeFigureOut">
               <a:rPr lang="ko-KR" altLang="en-US" smtClean="0"/>
-              <a:t>2017-06-08</a:t>
+              <a:t>2017-06-09</a:t>
             </a:fld>
             <a:endParaRPr lang="ko-KR" altLang="en-US"/>
           </a:p>
@@ -1280,7 +1311,7 @@
           <a:p>
             <a:fld id="{0E2DAB31-F86C-4F14-BBA2-201395277C2A}" type="datetimeFigureOut">
               <a:rPr lang="ko-KR" altLang="en-US" smtClean="0"/>
-              <a:t>2017-06-08</a:t>
+              <a:t>2017-06-09</a:t>
             </a:fld>
             <a:endParaRPr lang="ko-KR" altLang="en-US"/>
           </a:p>
@@ -1647,7 +1678,7 @@
           <a:p>
             <a:fld id="{0E2DAB31-F86C-4F14-BBA2-201395277C2A}" type="datetimeFigureOut">
               <a:rPr lang="ko-KR" altLang="en-US" smtClean="0"/>
-              <a:t>2017-06-08</a:t>
+              <a:t>2017-06-09</a:t>
             </a:fld>
             <a:endParaRPr lang="ko-KR" altLang="en-US"/>
           </a:p>
@@ -1765,7 +1796,7 @@
           <a:p>
             <a:fld id="{0E2DAB31-F86C-4F14-BBA2-201395277C2A}" type="datetimeFigureOut">
               <a:rPr lang="ko-KR" altLang="en-US" smtClean="0"/>
-              <a:t>2017-06-08</a:t>
+              <a:t>2017-06-09</a:t>
             </a:fld>
             <a:endParaRPr lang="ko-KR" altLang="en-US"/>
           </a:p>
@@ -1860,7 +1891,7 @@
           <a:p>
             <a:fld id="{0E2DAB31-F86C-4F14-BBA2-201395277C2A}" type="datetimeFigureOut">
               <a:rPr lang="ko-KR" altLang="en-US" smtClean="0"/>
-              <a:t>2017-06-08</a:t>
+              <a:t>2017-06-09</a:t>
             </a:fld>
             <a:endParaRPr lang="ko-KR" altLang="en-US"/>
           </a:p>
@@ -2137,7 +2168,7 @@
           <a:p>
             <a:fld id="{0E2DAB31-F86C-4F14-BBA2-201395277C2A}" type="datetimeFigureOut">
               <a:rPr lang="ko-KR" altLang="en-US" smtClean="0"/>
-              <a:t>2017-06-08</a:t>
+              <a:t>2017-06-09</a:t>
             </a:fld>
             <a:endParaRPr lang="ko-KR" altLang="en-US"/>
           </a:p>
@@ -2394,7 +2425,7 @@
           <a:p>
             <a:fld id="{0E2DAB31-F86C-4F14-BBA2-201395277C2A}" type="datetimeFigureOut">
               <a:rPr lang="ko-KR" altLang="en-US" smtClean="0"/>
-              <a:t>2017-06-08</a:t>
+              <a:t>2017-06-09</a:t>
             </a:fld>
             <a:endParaRPr lang="ko-KR" altLang="en-US"/>
           </a:p>
@@ -2607,7 +2638,7 @@
           <a:p>
             <a:fld id="{0E2DAB31-F86C-4F14-BBA2-201395277C2A}" type="datetimeFigureOut">
               <a:rPr lang="ko-KR" altLang="en-US" smtClean="0"/>
-              <a:t>2017-06-08</a:t>
+              <a:t>2017-06-09</a:t>
             </a:fld>
             <a:endParaRPr lang="ko-KR" altLang="en-US"/>
           </a:p>
